--- a/design/Team IceFyre.pptx
+++ b/design/Team IceFyre.pptx
@@ -6,18 +6,13 @@
   </p:sldMasterIdLst>
   <p:sldIdLst>
     <p:sldId id="256" r:id="rId2"/>
-    <p:sldId id="257" r:id="rId3"/>
-    <p:sldId id="258" r:id="rId4"/>
-    <p:sldId id="259" r:id="rId5"/>
-    <p:sldId id="260" r:id="rId6"/>
-    <p:sldId id="261" r:id="rId7"/>
-    <p:sldId id="262" r:id="rId8"/>
-    <p:sldId id="263" r:id="rId9"/>
-    <p:sldId id="267" r:id="rId10"/>
-    <p:sldId id="266" r:id="rId11"/>
-    <p:sldId id="264" r:id="rId12"/>
-    <p:sldId id="268" r:id="rId13"/>
-    <p:sldId id="269" r:id="rId14"/>
+    <p:sldId id="258" r:id="rId3"/>
+    <p:sldId id="266" r:id="rId4"/>
+    <p:sldId id="260" r:id="rId5"/>
+    <p:sldId id="261" r:id="rId6"/>
+    <p:sldId id="262" r:id="rId7"/>
+    <p:sldId id="268" r:id="rId8"/>
+    <p:sldId id="270" r:id="rId9"/>
   </p:sldIdLst>
   <p:sldSz cx="12192000" cy="6858000"/>
   <p:notesSz cx="6858000" cy="9144000"/>
@@ -116,6 +111,11 @@
       </a:defRPr>
     </a:lvl9pPr>
   </p:defaultTextStyle>
+  <p:extLst>
+    <p:ext uri="{EFAFB233-063F-42B5-8137-9DF3F51BA10A}">
+      <p15:sldGuideLst xmlns:p15="http://schemas.microsoft.com/office/powerpoint/2012/main"/>
+    </p:ext>
+  </p:extLst>
 </p:presentation>
 </file>
 
@@ -250,7 +250,7 @@
           <a:p>
             <a:fld id="{FE49312C-006A-45B6-AEFB-6A965C614358}" type="datetimeFigureOut">
               <a:rPr lang="bg-BG" smtClean="0"/>
-              <a:t>2.7.2014 г.</a:t>
+              <a:t>3.7.2014 г.</a:t>
             </a:fld>
             <a:endParaRPr lang="bg-BG"/>
           </a:p>
@@ -420,7 +420,7 @@
           <a:p>
             <a:fld id="{FE49312C-006A-45B6-AEFB-6A965C614358}" type="datetimeFigureOut">
               <a:rPr lang="bg-BG" smtClean="0"/>
-              <a:t>2.7.2014 г.</a:t>
+              <a:t>3.7.2014 г.</a:t>
             </a:fld>
             <a:endParaRPr lang="bg-BG"/>
           </a:p>
@@ -600,7 +600,7 @@
           <a:p>
             <a:fld id="{FE49312C-006A-45B6-AEFB-6A965C614358}" type="datetimeFigureOut">
               <a:rPr lang="bg-BG" smtClean="0"/>
-              <a:t>2.7.2014 г.</a:t>
+              <a:t>3.7.2014 г.</a:t>
             </a:fld>
             <a:endParaRPr lang="bg-BG"/>
           </a:p>
@@ -770,7 +770,7 @@
           <a:p>
             <a:fld id="{FE49312C-006A-45B6-AEFB-6A965C614358}" type="datetimeFigureOut">
               <a:rPr lang="bg-BG" smtClean="0"/>
-              <a:t>2.7.2014 г.</a:t>
+              <a:t>3.7.2014 г.</a:t>
             </a:fld>
             <a:endParaRPr lang="bg-BG"/>
           </a:p>
@@ -1016,7 +1016,7 @@
           <a:p>
             <a:fld id="{FE49312C-006A-45B6-AEFB-6A965C614358}" type="datetimeFigureOut">
               <a:rPr lang="bg-BG" smtClean="0"/>
-              <a:t>2.7.2014 г.</a:t>
+              <a:t>3.7.2014 г.</a:t>
             </a:fld>
             <a:endParaRPr lang="bg-BG"/>
           </a:p>
@@ -1248,7 +1248,7 @@
           <a:p>
             <a:fld id="{FE49312C-006A-45B6-AEFB-6A965C614358}" type="datetimeFigureOut">
               <a:rPr lang="bg-BG" smtClean="0"/>
-              <a:t>2.7.2014 г.</a:t>
+              <a:t>3.7.2014 г.</a:t>
             </a:fld>
             <a:endParaRPr lang="bg-BG"/>
           </a:p>
@@ -1615,7 +1615,7 @@
           <a:p>
             <a:fld id="{FE49312C-006A-45B6-AEFB-6A965C614358}" type="datetimeFigureOut">
               <a:rPr lang="bg-BG" smtClean="0"/>
-              <a:t>2.7.2014 г.</a:t>
+              <a:t>3.7.2014 г.</a:t>
             </a:fld>
             <a:endParaRPr lang="bg-BG"/>
           </a:p>
@@ -1733,7 +1733,7 @@
           <a:p>
             <a:fld id="{FE49312C-006A-45B6-AEFB-6A965C614358}" type="datetimeFigureOut">
               <a:rPr lang="bg-BG" smtClean="0"/>
-              <a:t>2.7.2014 г.</a:t>
+              <a:t>3.7.2014 г.</a:t>
             </a:fld>
             <a:endParaRPr lang="bg-BG"/>
           </a:p>
@@ -1828,7 +1828,7 @@
           <a:p>
             <a:fld id="{FE49312C-006A-45B6-AEFB-6A965C614358}" type="datetimeFigureOut">
               <a:rPr lang="bg-BG" smtClean="0"/>
-              <a:t>2.7.2014 г.</a:t>
+              <a:t>3.7.2014 г.</a:t>
             </a:fld>
             <a:endParaRPr lang="bg-BG"/>
           </a:p>
@@ -2105,7 +2105,7 @@
           <a:p>
             <a:fld id="{FE49312C-006A-45B6-AEFB-6A965C614358}" type="datetimeFigureOut">
               <a:rPr lang="bg-BG" smtClean="0"/>
-              <a:t>2.7.2014 г.</a:t>
+              <a:t>3.7.2014 г.</a:t>
             </a:fld>
             <a:endParaRPr lang="bg-BG"/>
           </a:p>
@@ -2358,7 +2358,7 @@
           <a:p>
             <a:fld id="{FE49312C-006A-45B6-AEFB-6A965C614358}" type="datetimeFigureOut">
               <a:rPr lang="bg-BG" smtClean="0"/>
-              <a:t>2.7.2014 г.</a:t>
+              <a:t>3.7.2014 г.</a:t>
             </a:fld>
             <a:endParaRPr lang="bg-BG"/>
           </a:p>
@@ -2571,7 +2571,7 @@
           <a:p>
             <a:fld id="{FE49312C-006A-45B6-AEFB-6A965C614358}" type="datetimeFigureOut">
               <a:rPr lang="bg-BG" smtClean="0"/>
-              <a:t>2.7.2014 г.</a:t>
+              <a:t>3.7.2014 г.</a:t>
             </a:fld>
             <a:endParaRPr lang="bg-BG"/>
           </a:p>
@@ -3100,958 +3100,7 @@
 </p:sld>
 </file>
 
-<file path=ppt/slides/slide10.xml><?xml version="1.0" encoding="utf-8"?>
-<p:sld xmlns:a="http://schemas.openxmlformats.org/drawingml/2006/main" xmlns:r="http://schemas.openxmlformats.org/officeDocument/2006/relationships" xmlns:p="http://schemas.openxmlformats.org/presentationml/2006/main">
-  <p:cSld>
-    <p:spTree>
-      <p:nvGrpSpPr>
-        <p:cNvPr id="1" name=""/>
-        <p:cNvGrpSpPr/>
-        <p:nvPr/>
-      </p:nvGrpSpPr>
-      <p:grpSpPr>
-        <a:xfrm>
-          <a:off x="0" y="0"/>
-          <a:ext cx="0" cy="0"/>
-          <a:chOff x="0" y="0"/>
-          <a:chExt cx="0" cy="0"/>
-        </a:xfrm>
-      </p:grpSpPr>
-      <p:sp>
-        <p:nvSpPr>
-          <p:cNvPr id="4" name="Rectangle 3"/>
-          <p:cNvSpPr/>
-          <p:nvPr/>
-        </p:nvSpPr>
-        <p:spPr>
-          <a:xfrm>
-            <a:off x="0" y="-140598"/>
-            <a:ext cx="12192000" cy="6858000"/>
-          </a:xfrm>
-          <a:prstGeom prst="rect">
-            <a:avLst/>
-          </a:prstGeom>
-        </p:spPr>
-        <p:style>
-          <a:lnRef idx="2">
-            <a:schemeClr val="accent4">
-              <a:shade val="50000"/>
-            </a:schemeClr>
-          </a:lnRef>
-          <a:fillRef idx="1">
-            <a:schemeClr val="accent4"/>
-          </a:fillRef>
-          <a:effectRef idx="0">
-            <a:schemeClr val="accent4"/>
-          </a:effectRef>
-          <a:fontRef idx="minor">
-            <a:schemeClr val="lt1"/>
-          </a:fontRef>
-        </p:style>
-        <p:txBody>
-          <a:bodyPr rtlCol="0" anchor="ctr"/>
-          <a:lstStyle/>
-          <a:p>
-            <a:pPr algn="ctr"/>
-            <a:endParaRPr lang="bg-BG" dirty="0"/>
-          </a:p>
-        </p:txBody>
-      </p:sp>
-      <p:sp>
-        <p:nvSpPr>
-          <p:cNvPr id="2" name="Title 1"/>
-          <p:cNvSpPr>
-            <a:spLocks noGrp="1"/>
-          </p:cNvSpPr>
-          <p:nvPr>
-            <p:ph type="title"/>
-          </p:nvPr>
-        </p:nvSpPr>
-        <p:spPr/>
-        <p:txBody>
-          <a:bodyPr/>
-          <a:lstStyle/>
-          <a:p>
-            <a:r>
-              <a:rPr lang="en-US" dirty="0" smtClean="0">
-                <a:latin typeface="Roboto Slab" pitchFamily="2" charset="0"/>
-                <a:ea typeface="Roboto Slab" pitchFamily="2" charset="0"/>
-              </a:rPr>
-              <a:t>Work Distribution</a:t>
-            </a:r>
-            <a:endParaRPr lang="bg-BG" dirty="0">
-              <a:latin typeface="Roboto Slab" pitchFamily="2" charset="0"/>
-              <a:ea typeface="Roboto Slab" pitchFamily="2" charset="0"/>
-            </a:endParaRPr>
-          </a:p>
-        </p:txBody>
-      </p:sp>
-      <p:sp>
-        <p:nvSpPr>
-          <p:cNvPr id="3" name="Content Placeholder 2"/>
-          <p:cNvSpPr>
-            <a:spLocks noGrp="1"/>
-          </p:cNvSpPr>
-          <p:nvPr>
-            <p:ph idx="1"/>
-          </p:nvPr>
-        </p:nvSpPr>
-        <p:spPr/>
-        <p:txBody>
-          <a:bodyPr/>
-          <a:lstStyle/>
-          <a:p>
-            <a:pPr marL="0" indent="0">
-              <a:buNone/>
-            </a:pPr>
-            <a:r>
-              <a:rPr lang="en-US" dirty="0" smtClean="0">
-                <a:latin typeface="Roboto Slab" pitchFamily="2" charset="0"/>
-                <a:ea typeface="Roboto Slab" pitchFamily="2" charset="0"/>
-              </a:rPr>
-              <a:t>Distributed ourselves so each can do a part of the job:</a:t>
-            </a:r>
-          </a:p>
-          <a:p>
-            <a:r>
-              <a:rPr lang="en-US" dirty="0" err="1" smtClean="0">
-                <a:latin typeface="Roboto Slab" pitchFamily="2" charset="0"/>
-                <a:ea typeface="Roboto Slab" pitchFamily="2" charset="0"/>
-              </a:rPr>
-              <a:t>Yavor</a:t>
-            </a:r>
-            <a:r>
-              <a:rPr lang="en-US" dirty="0" smtClean="0">
-                <a:latin typeface="Roboto Slab" pitchFamily="2" charset="0"/>
-                <a:ea typeface="Roboto Slab" pitchFamily="2" charset="0"/>
-              </a:rPr>
-              <a:t> – Coding.</a:t>
-            </a:r>
-          </a:p>
-          <a:p>
-            <a:r>
-              <a:rPr lang="en-US" dirty="0" smtClean="0">
-                <a:latin typeface="Roboto Slab" pitchFamily="2" charset="0"/>
-                <a:ea typeface="Roboto Slab" pitchFamily="2" charset="0"/>
-              </a:rPr>
-              <a:t>Mina </a:t>
-            </a:r>
-            <a:r>
-              <a:rPr lang="en-US" dirty="0" smtClean="0">
-                <a:latin typeface="Roboto Slab" pitchFamily="2" charset="0"/>
-                <a:ea typeface="Roboto Slab" pitchFamily="2" charset="0"/>
-              </a:rPr>
-              <a:t>– Articles.</a:t>
-            </a:r>
-            <a:r>
-              <a:rPr lang="en-US" dirty="0" smtClean="0">
-                <a:latin typeface="Roboto Slab" pitchFamily="2" charset="0"/>
-                <a:ea typeface="Roboto Slab" pitchFamily="2" charset="0"/>
-              </a:rPr>
-              <a:t> </a:t>
-            </a:r>
-          </a:p>
-          <a:p>
-            <a:r>
-              <a:rPr lang="en-US" dirty="0" err="1" smtClean="0">
-                <a:latin typeface="Roboto Slab" pitchFamily="2" charset="0"/>
-                <a:ea typeface="Roboto Slab" pitchFamily="2" charset="0"/>
-              </a:rPr>
-              <a:t>Asen</a:t>
-            </a:r>
-            <a:r>
-              <a:rPr lang="en-US" dirty="0" smtClean="0">
-                <a:latin typeface="Roboto Slab" pitchFamily="2" charset="0"/>
-                <a:ea typeface="Roboto Slab" pitchFamily="2" charset="0"/>
-              </a:rPr>
-              <a:t> – Design.</a:t>
-            </a:r>
-          </a:p>
-          <a:p>
-            <a:r>
-              <a:rPr lang="en-US" dirty="0" err="1" smtClean="0">
-                <a:latin typeface="Roboto Slab" pitchFamily="2" charset="0"/>
-                <a:ea typeface="Roboto Slab" pitchFamily="2" charset="0"/>
-              </a:rPr>
-              <a:t>Nikolay</a:t>
-            </a:r>
-            <a:r>
-              <a:rPr lang="en-US" dirty="0" smtClean="0">
-                <a:latin typeface="Roboto Slab" pitchFamily="2" charset="0"/>
-                <a:ea typeface="Roboto Slab" pitchFamily="2" charset="0"/>
-              </a:rPr>
-              <a:t> </a:t>
-            </a:r>
-            <a:r>
-              <a:rPr lang="en-US" dirty="0" smtClean="0">
-                <a:latin typeface="Roboto Slab" pitchFamily="2" charset="0"/>
-                <a:ea typeface="Roboto Slab" pitchFamily="2" charset="0"/>
-              </a:rPr>
-              <a:t>– Responsiveness.</a:t>
-            </a:r>
-          </a:p>
-        </p:txBody>
-      </p:sp>
-    </p:spTree>
-    <p:extLst>
-      <p:ext uri="{BB962C8B-B14F-4D97-AF65-F5344CB8AC3E}">
-        <p14:creationId xmlns:p14="http://schemas.microsoft.com/office/powerpoint/2010/main" val="2226946223"/>
-      </p:ext>
-    </p:extLst>
-  </p:cSld>
-  <p:clrMapOvr>
-    <a:masterClrMapping/>
-  </p:clrMapOvr>
-  <p:timing>
-    <p:tnLst>
-      <p:par>
-        <p:cTn id="1" dur="indefinite" restart="never" nodeType="tmRoot"/>
-      </p:par>
-    </p:tnLst>
-  </p:timing>
-</p:sld>
-</file>
-
-<file path=ppt/slides/slide11.xml><?xml version="1.0" encoding="utf-8"?>
-<p:sld xmlns:a="http://schemas.openxmlformats.org/drawingml/2006/main" xmlns:r="http://schemas.openxmlformats.org/officeDocument/2006/relationships" xmlns:p="http://schemas.openxmlformats.org/presentationml/2006/main">
-  <p:cSld>
-    <p:spTree>
-      <p:nvGrpSpPr>
-        <p:cNvPr id="1" name=""/>
-        <p:cNvGrpSpPr/>
-        <p:nvPr/>
-      </p:nvGrpSpPr>
-      <p:grpSpPr>
-        <a:xfrm>
-          <a:off x="0" y="0"/>
-          <a:ext cx="0" cy="0"/>
-          <a:chOff x="0" y="0"/>
-          <a:chExt cx="0" cy="0"/>
-        </a:xfrm>
-      </p:grpSpPr>
-      <p:sp>
-        <p:nvSpPr>
-          <p:cNvPr id="5" name="Rectangle 4"/>
-          <p:cNvSpPr/>
-          <p:nvPr/>
-        </p:nvSpPr>
-        <p:spPr>
-          <a:xfrm>
-            <a:off x="1" y="0"/>
-            <a:ext cx="12192000" cy="6858000"/>
-          </a:xfrm>
-          <a:prstGeom prst="rect">
-            <a:avLst/>
-          </a:prstGeom>
-        </p:spPr>
-        <p:style>
-          <a:lnRef idx="2">
-            <a:schemeClr val="dk1">
-              <a:shade val="50000"/>
-            </a:schemeClr>
-          </a:lnRef>
-          <a:fillRef idx="1">
-            <a:schemeClr val="dk1"/>
-          </a:fillRef>
-          <a:effectRef idx="0">
-            <a:schemeClr val="dk1"/>
-          </a:effectRef>
-          <a:fontRef idx="minor">
-            <a:schemeClr val="lt1"/>
-          </a:fontRef>
-        </p:style>
-        <p:txBody>
-          <a:bodyPr rtlCol="0" anchor="ctr"/>
-          <a:lstStyle/>
-          <a:p>
-            <a:pPr algn="ctr"/>
-            <a:endParaRPr lang="bg-BG"/>
-          </a:p>
-        </p:txBody>
-      </p:sp>
-      <p:sp>
-        <p:nvSpPr>
-          <p:cNvPr id="2" name="Title 1"/>
-          <p:cNvSpPr>
-            <a:spLocks noGrp="1"/>
-          </p:cNvSpPr>
-          <p:nvPr>
-            <p:ph type="title"/>
-          </p:nvPr>
-        </p:nvSpPr>
-        <p:spPr>
-          <a:xfrm>
-            <a:off x="838200" y="2675731"/>
-            <a:ext cx="10515600" cy="1325563"/>
-          </a:xfrm>
-        </p:spPr>
-        <p:txBody>
-          <a:bodyPr/>
-          <a:lstStyle/>
-          <a:p>
-            <a:pPr algn="ctr"/>
-            <a:r>
-              <a:rPr lang="en-US" dirty="0" smtClean="0">
-                <a:solidFill>
-                  <a:schemeClr val="accent4"/>
-                </a:solidFill>
-                <a:latin typeface="Roboto Slab" pitchFamily="2" charset="0"/>
-                <a:ea typeface="Roboto Slab" pitchFamily="2" charset="0"/>
-              </a:rPr>
-              <a:t>IMPLEMENTATION</a:t>
-            </a:r>
-            <a:endParaRPr lang="bg-BG" dirty="0">
-              <a:solidFill>
-                <a:schemeClr val="accent4"/>
-              </a:solidFill>
-              <a:latin typeface="Roboto Slab" pitchFamily="2" charset="0"/>
-              <a:ea typeface="Roboto Slab" pitchFamily="2" charset="0"/>
-            </a:endParaRPr>
-          </a:p>
-        </p:txBody>
-      </p:sp>
-      <p:pic>
-        <p:nvPicPr>
-          <p:cNvPr id="4" name="Picture 3"/>
-          <p:cNvPicPr>
-            <a:picLocks noChangeAspect="1"/>
-          </p:cNvPicPr>
-          <p:nvPr/>
-        </p:nvPicPr>
-        <p:blipFill>
-          <a:blip r:embed="rId2">
-            <a:extLst>
-              <a:ext uri="{28A0092B-C50C-407E-A947-70E740481C1C}">
-                <a14:useLocalDpi xmlns:a14="http://schemas.microsoft.com/office/drawing/2010/main" val="0"/>
-              </a:ext>
-            </a:extLst>
-          </a:blip>
-          <a:stretch>
-            <a:fillRect/>
-          </a:stretch>
-        </p:blipFill>
-        <p:spPr>
-          <a:xfrm>
-            <a:off x="838200" y="4315222"/>
-            <a:ext cx="2438400" cy="2228850"/>
-          </a:xfrm>
-          <a:prstGeom prst="rect">
-            <a:avLst/>
-          </a:prstGeom>
-        </p:spPr>
-      </p:pic>
-      <p:pic>
-        <p:nvPicPr>
-          <p:cNvPr id="6" name="Picture 5"/>
-          <p:cNvPicPr>
-            <a:picLocks noChangeAspect="1"/>
-          </p:cNvPicPr>
-          <p:nvPr/>
-        </p:nvPicPr>
-        <p:blipFill>
-          <a:blip r:embed="rId3">
-            <a:extLst>
-              <a:ext uri="{28A0092B-C50C-407E-A947-70E740481C1C}">
-                <a14:useLocalDpi xmlns:a14="http://schemas.microsoft.com/office/drawing/2010/main" val="0"/>
-              </a:ext>
-            </a:extLst>
-          </a:blip>
-          <a:stretch>
-            <a:fillRect/>
-          </a:stretch>
-        </p:blipFill>
-        <p:spPr>
-          <a:xfrm>
-            <a:off x="6756401" y="4806826"/>
-            <a:ext cx="4042228" cy="1288460"/>
-          </a:xfrm>
-          <a:prstGeom prst="rect">
-            <a:avLst/>
-          </a:prstGeom>
-        </p:spPr>
-      </p:pic>
-      <p:pic>
-        <p:nvPicPr>
-          <p:cNvPr id="7" name="Picture 6"/>
-          <p:cNvPicPr>
-            <a:picLocks noChangeAspect="1"/>
-          </p:cNvPicPr>
-          <p:nvPr/>
-        </p:nvPicPr>
-        <p:blipFill>
-          <a:blip r:embed="rId4" cstate="print">
-            <a:extLst>
-              <a:ext uri="{28A0092B-C50C-407E-A947-70E740481C1C}">
-                <a14:useLocalDpi xmlns:a14="http://schemas.microsoft.com/office/drawing/2010/main" val="0"/>
-              </a:ext>
-            </a:extLst>
-          </a:blip>
-          <a:stretch>
-            <a:fillRect/>
-          </a:stretch>
-        </p:blipFill>
-        <p:spPr>
-          <a:xfrm>
-            <a:off x="2692400" y="5274349"/>
-            <a:ext cx="3142343" cy="820937"/>
-          </a:xfrm>
-          <a:prstGeom prst="rect">
-            <a:avLst/>
-          </a:prstGeom>
-        </p:spPr>
-      </p:pic>
-    </p:spTree>
-    <p:extLst>
-      <p:ext uri="{BB962C8B-B14F-4D97-AF65-F5344CB8AC3E}">
-        <p14:creationId xmlns:p14="http://schemas.microsoft.com/office/powerpoint/2010/main" val="1162092003"/>
-      </p:ext>
-    </p:extLst>
-  </p:cSld>
-  <p:clrMapOvr>
-    <a:masterClrMapping/>
-  </p:clrMapOvr>
-  <p:timing>
-    <p:tnLst>
-      <p:par>
-        <p:cTn id="1" dur="indefinite" restart="never" nodeType="tmRoot"/>
-      </p:par>
-    </p:tnLst>
-  </p:timing>
-</p:sld>
-</file>
-
-<file path=ppt/slides/slide12.xml><?xml version="1.0" encoding="utf-8"?>
-<p:sld xmlns:a="http://schemas.openxmlformats.org/drawingml/2006/main" xmlns:r="http://schemas.openxmlformats.org/officeDocument/2006/relationships" xmlns:p="http://schemas.openxmlformats.org/presentationml/2006/main">
-  <p:cSld>
-    <p:spTree>
-      <p:nvGrpSpPr>
-        <p:cNvPr id="1" name=""/>
-        <p:cNvGrpSpPr/>
-        <p:nvPr/>
-      </p:nvGrpSpPr>
-      <p:grpSpPr>
-        <a:xfrm>
-          <a:off x="0" y="0"/>
-          <a:ext cx="0" cy="0"/>
-          <a:chOff x="0" y="0"/>
-          <a:chExt cx="0" cy="0"/>
-        </a:xfrm>
-      </p:grpSpPr>
-      <p:sp>
-        <p:nvSpPr>
-          <p:cNvPr id="4" name="Rectangle 3"/>
-          <p:cNvSpPr/>
-          <p:nvPr/>
-        </p:nvSpPr>
-        <p:spPr>
-          <a:xfrm>
-            <a:off x="0" y="-140598"/>
-            <a:ext cx="12192000" cy="6858000"/>
-          </a:xfrm>
-          <a:prstGeom prst="rect">
-            <a:avLst/>
-          </a:prstGeom>
-        </p:spPr>
-        <p:style>
-          <a:lnRef idx="2">
-            <a:schemeClr val="accent4">
-              <a:shade val="50000"/>
-            </a:schemeClr>
-          </a:lnRef>
-          <a:fillRef idx="1">
-            <a:schemeClr val="accent4"/>
-          </a:fillRef>
-          <a:effectRef idx="0">
-            <a:schemeClr val="accent4"/>
-          </a:effectRef>
-          <a:fontRef idx="minor">
-            <a:schemeClr val="lt1"/>
-          </a:fontRef>
-        </p:style>
-        <p:txBody>
-          <a:bodyPr rtlCol="0" anchor="ctr"/>
-          <a:lstStyle/>
-          <a:p>
-            <a:pPr algn="ctr"/>
-            <a:endParaRPr lang="bg-BG" dirty="0"/>
-          </a:p>
-        </p:txBody>
-      </p:sp>
-      <p:sp>
-        <p:nvSpPr>
-          <p:cNvPr id="2" name="Title 1"/>
-          <p:cNvSpPr>
-            <a:spLocks noGrp="1"/>
-          </p:cNvSpPr>
-          <p:nvPr>
-            <p:ph type="title"/>
-          </p:nvPr>
-        </p:nvSpPr>
-        <p:spPr/>
-        <p:txBody>
-          <a:bodyPr/>
-          <a:lstStyle/>
-          <a:p>
-            <a:r>
-              <a:rPr lang="en-US" dirty="0" smtClean="0">
-                <a:latin typeface="Roboto Slab" pitchFamily="2" charset="0"/>
-                <a:ea typeface="Roboto Slab" pitchFamily="2" charset="0"/>
-              </a:rPr>
-              <a:t>Workflow</a:t>
-            </a:r>
-            <a:endParaRPr lang="bg-BG" dirty="0">
-              <a:latin typeface="Roboto Slab" pitchFamily="2" charset="0"/>
-              <a:ea typeface="Roboto Slab" pitchFamily="2" charset="0"/>
-            </a:endParaRPr>
-          </a:p>
-        </p:txBody>
-      </p:sp>
-      <p:sp>
-        <p:nvSpPr>
-          <p:cNvPr id="3" name="Content Placeholder 2"/>
-          <p:cNvSpPr>
-            <a:spLocks noGrp="1"/>
-          </p:cNvSpPr>
-          <p:nvPr>
-            <p:ph idx="1"/>
-          </p:nvPr>
-        </p:nvSpPr>
-        <p:spPr/>
-        <p:txBody>
-          <a:bodyPr/>
-          <a:lstStyle/>
-          <a:p>
-            <a:r>
-              <a:rPr lang="en-US" dirty="0" smtClean="0">
-                <a:latin typeface="Roboto Slab" pitchFamily="2" charset="0"/>
-                <a:ea typeface="Roboto Slab" pitchFamily="2" charset="0"/>
-              </a:rPr>
-              <a:t>Design is drafted in Photoshop</a:t>
-            </a:r>
-          </a:p>
-          <a:p>
-            <a:r>
-              <a:rPr lang="en-US" dirty="0" smtClean="0">
-                <a:latin typeface="Roboto Slab" pitchFamily="2" charset="0"/>
-                <a:ea typeface="Roboto Slab" pitchFamily="2" charset="0"/>
-              </a:rPr>
-              <a:t>From Photoshop it’s made into HTML / CSS</a:t>
-            </a:r>
-          </a:p>
-          <a:p>
-            <a:r>
-              <a:rPr lang="en-US" dirty="0" smtClean="0">
-                <a:latin typeface="Roboto Slab" pitchFamily="2" charset="0"/>
-                <a:ea typeface="Roboto Slab" pitchFamily="2" charset="0"/>
-              </a:rPr>
-              <a:t>From there, It’s committed to </a:t>
-            </a:r>
-            <a:r>
-              <a:rPr lang="en-US" dirty="0" err="1" smtClean="0">
-                <a:latin typeface="Roboto Slab" pitchFamily="2" charset="0"/>
-                <a:ea typeface="Roboto Slab" pitchFamily="2" charset="0"/>
-              </a:rPr>
-              <a:t>github</a:t>
-            </a:r>
-            <a:r>
-              <a:rPr lang="en-US" dirty="0" smtClean="0">
-                <a:latin typeface="Roboto Slab" pitchFamily="2" charset="0"/>
-                <a:ea typeface="Roboto Slab" pitchFamily="2" charset="0"/>
-              </a:rPr>
-              <a:t>.</a:t>
-            </a:r>
-          </a:p>
-          <a:p>
-            <a:r>
-              <a:rPr lang="en-US" dirty="0" smtClean="0">
-                <a:latin typeface="Roboto Slab" pitchFamily="2" charset="0"/>
-                <a:ea typeface="Roboto Slab" pitchFamily="2" charset="0"/>
-              </a:rPr>
-              <a:t>After that everyone can help edit the page.</a:t>
-            </a:r>
-          </a:p>
-          <a:p>
-            <a:r>
-              <a:rPr lang="en-US" dirty="0" smtClean="0">
-                <a:latin typeface="Roboto Slab" pitchFamily="2" charset="0"/>
-                <a:ea typeface="Roboto Slab" pitchFamily="2" charset="0"/>
-              </a:rPr>
-              <a:t>Finally, when it’s done, the page is made responsive and is then recommitted.</a:t>
-            </a:r>
-          </a:p>
-        </p:txBody>
-      </p:sp>
-    </p:spTree>
-    <p:extLst>
-      <p:ext uri="{BB962C8B-B14F-4D97-AF65-F5344CB8AC3E}">
-        <p14:creationId xmlns:p14="http://schemas.microsoft.com/office/powerpoint/2010/main" val="568066293"/>
-      </p:ext>
-    </p:extLst>
-  </p:cSld>
-  <p:clrMapOvr>
-    <a:masterClrMapping/>
-  </p:clrMapOvr>
-  <p:timing>
-    <p:tnLst>
-      <p:par>
-        <p:cTn id="1" dur="indefinite" restart="never" nodeType="tmRoot"/>
-      </p:par>
-    </p:tnLst>
-  </p:timing>
-</p:sld>
-</file>
-
-<file path=ppt/slides/slide13.xml><?xml version="1.0" encoding="utf-8"?>
-<p:sld xmlns:a="http://schemas.openxmlformats.org/drawingml/2006/main" xmlns:r="http://schemas.openxmlformats.org/officeDocument/2006/relationships" xmlns:p="http://schemas.openxmlformats.org/presentationml/2006/main">
-  <p:cSld>
-    <p:spTree>
-      <p:nvGrpSpPr>
-        <p:cNvPr id="1" name=""/>
-        <p:cNvGrpSpPr/>
-        <p:nvPr/>
-      </p:nvGrpSpPr>
-      <p:grpSpPr>
-        <a:xfrm>
-          <a:off x="0" y="0"/>
-          <a:ext cx="0" cy="0"/>
-          <a:chOff x="0" y="0"/>
-          <a:chExt cx="0" cy="0"/>
-        </a:xfrm>
-      </p:grpSpPr>
-      <p:sp>
-        <p:nvSpPr>
-          <p:cNvPr id="4" name="Rectangle 3"/>
-          <p:cNvSpPr/>
-          <p:nvPr/>
-        </p:nvSpPr>
-        <p:spPr>
-          <a:xfrm>
-            <a:off x="0" y="-140598"/>
-            <a:ext cx="12192000" cy="6858000"/>
-          </a:xfrm>
-          <a:prstGeom prst="rect">
-            <a:avLst/>
-          </a:prstGeom>
-        </p:spPr>
-        <p:style>
-          <a:lnRef idx="2">
-            <a:schemeClr val="accent4">
-              <a:shade val="50000"/>
-            </a:schemeClr>
-          </a:lnRef>
-          <a:fillRef idx="1">
-            <a:schemeClr val="accent4"/>
-          </a:fillRef>
-          <a:effectRef idx="0">
-            <a:schemeClr val="accent4"/>
-          </a:effectRef>
-          <a:fontRef idx="minor">
-            <a:schemeClr val="lt1"/>
-          </a:fontRef>
-        </p:style>
-        <p:txBody>
-          <a:bodyPr rtlCol="0" anchor="ctr"/>
-          <a:lstStyle/>
-          <a:p>
-            <a:pPr algn="ctr"/>
-            <a:endParaRPr lang="bg-BG" dirty="0"/>
-          </a:p>
-        </p:txBody>
-      </p:sp>
-      <p:sp>
-        <p:nvSpPr>
-          <p:cNvPr id="2" name="Title 1"/>
-          <p:cNvSpPr>
-            <a:spLocks noGrp="1"/>
-          </p:cNvSpPr>
-          <p:nvPr>
-            <p:ph type="title"/>
-          </p:nvPr>
-        </p:nvSpPr>
-        <p:spPr/>
-        <p:txBody>
-          <a:bodyPr/>
-          <a:lstStyle/>
-          <a:p>
-            <a:r>
-              <a:rPr lang="en-US" dirty="0" smtClean="0">
-                <a:latin typeface="Roboto Slab" pitchFamily="2" charset="0"/>
-                <a:ea typeface="Roboto Slab" pitchFamily="2" charset="0"/>
-              </a:rPr>
-              <a:t>Website</a:t>
-            </a:r>
-            <a:endParaRPr lang="bg-BG" dirty="0">
-              <a:latin typeface="Roboto Slab" pitchFamily="2" charset="0"/>
-              <a:ea typeface="Roboto Slab" pitchFamily="2" charset="0"/>
-            </a:endParaRPr>
-          </a:p>
-        </p:txBody>
-      </p:sp>
-      <p:sp>
-        <p:nvSpPr>
-          <p:cNvPr id="3" name="Content Placeholder 2"/>
-          <p:cNvSpPr>
-            <a:spLocks noGrp="1"/>
-          </p:cNvSpPr>
-          <p:nvPr>
-            <p:ph idx="1"/>
-          </p:nvPr>
-        </p:nvSpPr>
-        <p:spPr/>
-        <p:txBody>
-          <a:bodyPr/>
-          <a:lstStyle/>
-          <a:p>
-            <a:r>
-              <a:rPr lang="en-US" dirty="0" smtClean="0">
-                <a:latin typeface="Roboto Slab" pitchFamily="2" charset="0"/>
-                <a:ea typeface="Roboto Slab" pitchFamily="2" charset="0"/>
-              </a:rPr>
-              <a:t>5 Pages Total.</a:t>
-            </a:r>
-          </a:p>
-          <a:p>
-            <a:r>
-              <a:rPr lang="en-US" dirty="0" smtClean="0">
-                <a:latin typeface="Roboto Slab" pitchFamily="2" charset="0"/>
-                <a:ea typeface="Roboto Slab" pitchFamily="2" charset="0"/>
-              </a:rPr>
-              <a:t>Header.</a:t>
-            </a:r>
-          </a:p>
-          <a:p>
-            <a:r>
-              <a:rPr lang="en-US" dirty="0" smtClean="0">
-                <a:latin typeface="Roboto Slab" pitchFamily="2" charset="0"/>
-                <a:ea typeface="Roboto Slab" pitchFamily="2" charset="0"/>
-              </a:rPr>
-              <a:t>Body, Articles.</a:t>
-            </a:r>
-          </a:p>
-          <a:p>
-            <a:r>
-              <a:rPr lang="en-US" dirty="0" smtClean="0">
-                <a:latin typeface="Roboto Slab" pitchFamily="2" charset="0"/>
-                <a:ea typeface="Roboto Slab" pitchFamily="2" charset="0"/>
-              </a:rPr>
-              <a:t>Footer.</a:t>
-            </a:r>
-          </a:p>
-          <a:p>
-            <a:r>
-              <a:rPr lang="en-US" dirty="0" smtClean="0">
-                <a:latin typeface="Roboto Slab" pitchFamily="2" charset="0"/>
-                <a:ea typeface="Roboto Slab" pitchFamily="2" charset="0"/>
-              </a:rPr>
-              <a:t>Responsiveness.</a:t>
-            </a:r>
-          </a:p>
-          <a:p>
-            <a:r>
-              <a:rPr lang="en-US" dirty="0" smtClean="0">
-                <a:latin typeface="Roboto Slab" pitchFamily="2" charset="0"/>
-                <a:ea typeface="Roboto Slab" pitchFamily="2" charset="0"/>
-              </a:rPr>
-              <a:t>Semantic HTML.</a:t>
-            </a:r>
-          </a:p>
-        </p:txBody>
-      </p:sp>
-    </p:spTree>
-    <p:extLst>
-      <p:ext uri="{BB962C8B-B14F-4D97-AF65-F5344CB8AC3E}">
-        <p14:creationId xmlns:p14="http://schemas.microsoft.com/office/powerpoint/2010/main" val="1339180223"/>
-      </p:ext>
-    </p:extLst>
-  </p:cSld>
-  <p:clrMapOvr>
-    <a:masterClrMapping/>
-  </p:clrMapOvr>
-  <p:timing>
-    <p:tnLst>
-      <p:par>
-        <p:cTn id="1" dur="indefinite" restart="never" nodeType="tmRoot"/>
-      </p:par>
-    </p:tnLst>
-  </p:timing>
-</p:sld>
-</file>
-
 <file path=ppt/slides/slide2.xml><?xml version="1.0" encoding="utf-8"?>
-<p:sld xmlns:a="http://schemas.openxmlformats.org/drawingml/2006/main" xmlns:r="http://schemas.openxmlformats.org/officeDocument/2006/relationships" xmlns:p="http://schemas.openxmlformats.org/presentationml/2006/main">
-  <p:cSld>
-    <p:spTree>
-      <p:nvGrpSpPr>
-        <p:cNvPr id="1" name=""/>
-        <p:cNvGrpSpPr/>
-        <p:nvPr/>
-      </p:nvGrpSpPr>
-      <p:grpSpPr>
-        <a:xfrm>
-          <a:off x="0" y="0"/>
-          <a:ext cx="0" cy="0"/>
-          <a:chOff x="0" y="0"/>
-          <a:chExt cx="0" cy="0"/>
-        </a:xfrm>
-      </p:grpSpPr>
-      <p:sp>
-        <p:nvSpPr>
-          <p:cNvPr id="4" name="Rectangle 3"/>
-          <p:cNvSpPr/>
-          <p:nvPr/>
-        </p:nvSpPr>
-        <p:spPr>
-          <a:xfrm>
-            <a:off x="1" y="0"/>
-            <a:ext cx="12192000" cy="6858000"/>
-          </a:xfrm>
-          <a:prstGeom prst="rect">
-            <a:avLst/>
-          </a:prstGeom>
-        </p:spPr>
-        <p:style>
-          <a:lnRef idx="2">
-            <a:schemeClr val="accent4">
-              <a:shade val="50000"/>
-            </a:schemeClr>
-          </a:lnRef>
-          <a:fillRef idx="1">
-            <a:schemeClr val="accent4"/>
-          </a:fillRef>
-          <a:effectRef idx="0">
-            <a:schemeClr val="accent4"/>
-          </a:effectRef>
-          <a:fontRef idx="minor">
-            <a:schemeClr val="lt1"/>
-          </a:fontRef>
-        </p:style>
-        <p:txBody>
-          <a:bodyPr rtlCol="0" anchor="ctr"/>
-          <a:lstStyle/>
-          <a:p>
-            <a:pPr algn="ctr"/>
-            <a:endParaRPr lang="bg-BG"/>
-          </a:p>
-        </p:txBody>
-      </p:sp>
-      <p:sp>
-        <p:nvSpPr>
-          <p:cNvPr id="2" name="Title 1"/>
-          <p:cNvSpPr>
-            <a:spLocks noGrp="1"/>
-          </p:cNvSpPr>
-          <p:nvPr>
-            <p:ph type="title"/>
-          </p:nvPr>
-        </p:nvSpPr>
-        <p:spPr/>
-        <p:txBody>
-          <a:bodyPr/>
-          <a:lstStyle/>
-          <a:p>
-            <a:r>
-              <a:rPr lang="en-US" dirty="0" smtClean="0">
-                <a:latin typeface="Roboto Slab" pitchFamily="2" charset="0"/>
-                <a:ea typeface="Roboto Slab" pitchFamily="2" charset="0"/>
-              </a:rPr>
-              <a:t>Teamwork 2 – HTML &amp; CSS</a:t>
-            </a:r>
-            <a:endParaRPr lang="bg-BG" dirty="0">
-              <a:latin typeface="Roboto Slab" pitchFamily="2" charset="0"/>
-              <a:ea typeface="Roboto Slab" pitchFamily="2" charset="0"/>
-            </a:endParaRPr>
-          </a:p>
-        </p:txBody>
-      </p:sp>
-      <p:sp>
-        <p:nvSpPr>
-          <p:cNvPr id="3" name="Content Placeholder 2"/>
-          <p:cNvSpPr>
-            <a:spLocks noGrp="1"/>
-          </p:cNvSpPr>
-          <p:nvPr>
-            <p:ph idx="1"/>
-          </p:nvPr>
-        </p:nvSpPr>
-        <p:spPr/>
-        <p:txBody>
-          <a:bodyPr/>
-          <a:lstStyle/>
-          <a:p>
-            <a:r>
-              <a:rPr lang="en-US" dirty="0" smtClean="0">
-                <a:latin typeface="Roboto Slab" pitchFamily="2" charset="0"/>
-                <a:ea typeface="Roboto Slab" pitchFamily="2" charset="0"/>
-              </a:rPr>
-              <a:t>ORGANIZATION.</a:t>
-            </a:r>
-            <a:endParaRPr lang="bg-BG" dirty="0" smtClean="0">
-              <a:latin typeface="Roboto Slab" pitchFamily="2" charset="0"/>
-              <a:ea typeface="Roboto Slab" pitchFamily="2" charset="0"/>
-            </a:endParaRPr>
-          </a:p>
-          <a:p>
-            <a:r>
-              <a:rPr lang="en-US" dirty="0" smtClean="0">
-                <a:latin typeface="Roboto Slab" pitchFamily="2" charset="0"/>
-                <a:ea typeface="Roboto Slab" pitchFamily="2" charset="0"/>
-              </a:rPr>
-              <a:t>IDEAs.</a:t>
-            </a:r>
-            <a:endParaRPr lang="bg-BG" dirty="0" smtClean="0">
-              <a:latin typeface="Roboto Slab" pitchFamily="2" charset="0"/>
-              <a:ea typeface="Roboto Slab" pitchFamily="2" charset="0"/>
-            </a:endParaRPr>
-          </a:p>
-          <a:p>
-            <a:r>
-              <a:rPr lang="en-US" dirty="0" smtClean="0">
-                <a:latin typeface="Roboto Slab" pitchFamily="2" charset="0"/>
-                <a:ea typeface="Roboto Slab" pitchFamily="2" charset="0"/>
-              </a:rPr>
-              <a:t>PLANNING.</a:t>
-            </a:r>
-            <a:endParaRPr lang="bg-BG" dirty="0" smtClean="0">
-              <a:latin typeface="Roboto Slab" pitchFamily="2" charset="0"/>
-              <a:ea typeface="Roboto Slab" pitchFamily="2" charset="0"/>
-            </a:endParaRPr>
-          </a:p>
-          <a:p>
-            <a:r>
-              <a:rPr lang="en-US" dirty="0" smtClean="0">
-                <a:latin typeface="Roboto Slab" pitchFamily="2" charset="0"/>
-                <a:ea typeface="Roboto Slab" pitchFamily="2" charset="0"/>
-              </a:rPr>
-              <a:t>IMPLEMENTATION.</a:t>
-            </a:r>
-            <a:endParaRPr lang="bg-BG" dirty="0">
-              <a:latin typeface="Roboto Slab" pitchFamily="2" charset="0"/>
-              <a:ea typeface="Roboto Slab" pitchFamily="2" charset="0"/>
-            </a:endParaRPr>
-          </a:p>
-        </p:txBody>
-      </p:sp>
-    </p:spTree>
-    <p:extLst>
-      <p:ext uri="{BB962C8B-B14F-4D97-AF65-F5344CB8AC3E}">
-        <p14:creationId xmlns:p14="http://schemas.microsoft.com/office/powerpoint/2010/main" val="1326940327"/>
-      </p:ext>
-    </p:extLst>
-  </p:cSld>
-  <p:clrMapOvr>
-    <a:masterClrMapping/>
-  </p:clrMapOvr>
-  <p:timing>
-    <p:tnLst>
-      <p:par>
-        <p:cTn id="1" dur="indefinite" restart="never" nodeType="tmRoot"/>
-      </p:par>
-    </p:tnLst>
-  </p:timing>
-</p:sld>
-</file>
-
-<file path=ppt/slides/slide3.xml><?xml version="1.0" encoding="utf-8"?>
 <p:sld xmlns:a="http://schemas.openxmlformats.org/drawingml/2006/main" xmlns:r="http://schemas.openxmlformats.org/officeDocument/2006/relationships" xmlns:p="http://schemas.openxmlformats.org/presentationml/2006/main">
   <p:cSld>
     <p:spTree>
@@ -4259,7 +3308,7 @@
 </p:sld>
 </file>
 
-<file path=ppt/slides/slide4.xml><?xml version="1.0" encoding="utf-8"?>
+<file path=ppt/slides/slide3.xml><?xml version="1.0" encoding="utf-8"?>
 <p:sld xmlns:a="http://schemas.openxmlformats.org/drawingml/2006/main" xmlns:r="http://schemas.openxmlformats.org/officeDocument/2006/relationships" xmlns:p="http://schemas.openxmlformats.org/presentationml/2006/main">
   <p:cSld>
     <p:spTree>
@@ -4284,7 +3333,7 @@
         </p:nvSpPr>
         <p:spPr>
           <a:xfrm>
-            <a:off x="1" y="0"/>
+            <a:off x="0" y="-140598"/>
             <a:ext cx="12192000" cy="6858000"/>
           </a:xfrm>
           <a:prstGeom prst="rect">
@@ -4312,7 +3361,7 @@
           <a:lstStyle/>
           <a:p>
             <a:pPr algn="ctr"/>
-            <a:endParaRPr lang="bg-BG"/>
+            <a:endParaRPr lang="bg-BG" dirty="0"/>
           </a:p>
         </p:txBody>
       </p:sp>
@@ -4336,7 +3385,7 @@
                 <a:latin typeface="Roboto Slab" pitchFamily="2" charset="0"/>
                 <a:ea typeface="Roboto Slab" pitchFamily="2" charset="0"/>
               </a:rPr>
-              <a:t>Organization</a:t>
+              <a:t>Work Distribution</a:t>
             </a:r>
             <a:endParaRPr lang="bg-BG" dirty="0">
               <a:latin typeface="Roboto Slab" pitchFamily="2" charset="0"/>
@@ -4360,33 +3409,31 @@
           <a:bodyPr/>
           <a:lstStyle/>
           <a:p>
+            <a:pPr marL="0" indent="0">
+              <a:buNone/>
+            </a:pPr>
             <a:r>
               <a:rPr lang="en-US" dirty="0" smtClean="0">
                 <a:latin typeface="Roboto Slab" pitchFamily="2" charset="0"/>
                 <a:ea typeface="Roboto Slab" pitchFamily="2" charset="0"/>
               </a:rPr>
-              <a:t>Got in touch via E-Mail to exchange </a:t>
-            </a:r>
+              <a:t>Distributed ourselves so each can do a part of the job:</a:t>
+            </a:r>
+          </a:p>
+          <a:p>
             <a:r>
               <a:rPr lang="en-US" dirty="0" err="1" smtClean="0">
                 <a:latin typeface="Roboto Slab" pitchFamily="2" charset="0"/>
                 <a:ea typeface="Roboto Slab" pitchFamily="2" charset="0"/>
               </a:rPr>
-              <a:t>skype</a:t>
-            </a:r>
-            <a:r>
-              <a:rPr lang="en-US" dirty="0">
-                <a:latin typeface="Roboto Slab" pitchFamily="2" charset="0"/>
-                <a:ea typeface="Roboto Slab" pitchFamily="2" charset="0"/>
-              </a:rPr>
-              <a:t> </a:t>
+              <a:t>Yavor</a:t>
             </a:r>
             <a:r>
               <a:rPr lang="en-US" dirty="0" smtClean="0">
                 <a:latin typeface="Roboto Slab" pitchFamily="2" charset="0"/>
                 <a:ea typeface="Roboto Slab" pitchFamily="2" charset="0"/>
               </a:rPr>
-              <a:t>names.</a:t>
+              <a:t> – Coding.</a:t>
             </a:r>
           </a:p>
           <a:p>
@@ -4395,124 +3442,39 @@
                 <a:latin typeface="Roboto Slab" pitchFamily="2" charset="0"/>
                 <a:ea typeface="Roboto Slab" pitchFamily="2" charset="0"/>
               </a:rPr>
-              <a:t>Exchanged ideas in </a:t>
-            </a:r>
+              <a:t>Mina – Articles. </a:t>
+            </a:r>
+          </a:p>
+          <a:p>
             <a:r>
               <a:rPr lang="en-US" dirty="0" err="1" smtClean="0">
                 <a:latin typeface="Roboto Slab" pitchFamily="2" charset="0"/>
                 <a:ea typeface="Roboto Slab" pitchFamily="2" charset="0"/>
               </a:rPr>
-              <a:t>skype</a:t>
+              <a:t>Asen</a:t>
             </a:r>
             <a:r>
               <a:rPr lang="en-US" dirty="0" smtClean="0">
                 <a:latin typeface="Roboto Slab" pitchFamily="2" charset="0"/>
                 <a:ea typeface="Roboto Slab" pitchFamily="2" charset="0"/>
               </a:rPr>
-              <a:t>.</a:t>
-            </a:r>
-            <a:endParaRPr lang="en-US" dirty="0">
-              <a:latin typeface="Roboto Slab" pitchFamily="2" charset="0"/>
-              <a:ea typeface="Roboto Slab" pitchFamily="2" charset="0"/>
-            </a:endParaRPr>
-          </a:p>
-          <a:p>
+              <a:t> – Design.</a:t>
+            </a:r>
+          </a:p>
+          <a:p>
+            <a:r>
+              <a:rPr lang="en-US" dirty="0" err="1" smtClean="0">
+                <a:latin typeface="Roboto Slab" pitchFamily="2" charset="0"/>
+                <a:ea typeface="Roboto Slab" pitchFamily="2" charset="0"/>
+              </a:rPr>
+              <a:t>Nikolay</a:t>
+            </a:r>
             <a:r>
               <a:rPr lang="en-US" dirty="0" smtClean="0">
                 <a:latin typeface="Roboto Slab" pitchFamily="2" charset="0"/>
                 <a:ea typeface="Roboto Slab" pitchFamily="2" charset="0"/>
               </a:rPr>
-              <a:t>Set up </a:t>
-            </a:r>
-            <a:r>
-              <a:rPr lang="en-US" dirty="0" err="1">
-                <a:latin typeface="Roboto Slab" pitchFamily="2" charset="0"/>
-                <a:ea typeface="Roboto Slab" pitchFamily="2" charset="0"/>
-              </a:rPr>
-              <a:t>T</a:t>
-            </a:r>
-            <a:r>
-              <a:rPr lang="en-US" dirty="0" err="1" smtClean="0">
-                <a:latin typeface="Roboto Slab" pitchFamily="2" charset="0"/>
-                <a:ea typeface="Roboto Slab" pitchFamily="2" charset="0"/>
-              </a:rPr>
-              <a:t>rello</a:t>
-            </a:r>
-            <a:r>
-              <a:rPr lang="en-US" dirty="0" smtClean="0">
-                <a:latin typeface="Roboto Slab" pitchFamily="2" charset="0"/>
-                <a:ea typeface="Roboto Slab" pitchFamily="2" charset="0"/>
-              </a:rPr>
-              <a:t>.</a:t>
-            </a:r>
-          </a:p>
-          <a:p>
-            <a:r>
-              <a:rPr lang="en-US" dirty="0" smtClean="0">
-                <a:latin typeface="Roboto Slab" pitchFamily="2" charset="0"/>
-                <a:ea typeface="Roboto Slab" pitchFamily="2" charset="0"/>
-              </a:rPr>
-              <a:t>Set up </a:t>
-            </a:r>
-            <a:r>
-              <a:rPr lang="en-US" dirty="0" err="1" smtClean="0">
-                <a:latin typeface="Roboto Slab" pitchFamily="2" charset="0"/>
-                <a:ea typeface="Roboto Slab" pitchFamily="2" charset="0"/>
-              </a:rPr>
-              <a:t>Github</a:t>
-            </a:r>
-            <a:r>
-              <a:rPr lang="en-US" dirty="0" smtClean="0">
-                <a:latin typeface="Roboto Slab" pitchFamily="2" charset="0"/>
-                <a:ea typeface="Roboto Slab" pitchFamily="2" charset="0"/>
-              </a:rPr>
-              <a:t>.</a:t>
-            </a:r>
-          </a:p>
-          <a:p>
-            <a:r>
-              <a:rPr lang="en-US" dirty="0" smtClean="0">
-                <a:latin typeface="Roboto Slab" pitchFamily="2" charset="0"/>
-                <a:ea typeface="Roboto Slab" pitchFamily="2" charset="0"/>
-              </a:rPr>
-              <a:t>Later </a:t>
-            </a:r>
-            <a:r>
-              <a:rPr lang="en-US" dirty="0">
-                <a:latin typeface="Roboto Slab" pitchFamily="2" charset="0"/>
-                <a:ea typeface="Roboto Slab" pitchFamily="2" charset="0"/>
-              </a:rPr>
-              <a:t>m</a:t>
-            </a:r>
-            <a:r>
-              <a:rPr lang="en-US" dirty="0" smtClean="0">
-                <a:latin typeface="Roboto Slab" pitchFamily="2" charset="0"/>
-                <a:ea typeface="Roboto Slab" pitchFamily="2" charset="0"/>
-              </a:rPr>
-              <a:t>et in person to discuss what to do.</a:t>
-            </a:r>
-          </a:p>
-          <a:p>
-            <a:r>
-              <a:rPr lang="en-US" dirty="0" smtClean="0">
-                <a:latin typeface="Roboto Slab" pitchFamily="2" charset="0"/>
-                <a:ea typeface="Roboto Slab" pitchFamily="2" charset="0"/>
-              </a:rPr>
-              <a:t>Had numerous </a:t>
-            </a:r>
-            <a:r>
-              <a:rPr lang="en-US" dirty="0" err="1" smtClean="0">
-                <a:latin typeface="Roboto Slab" pitchFamily="2" charset="0"/>
-                <a:ea typeface="Roboto Slab" pitchFamily="2" charset="0"/>
-              </a:rPr>
-              <a:t>skype</a:t>
-            </a:r>
-            <a:r>
-              <a:rPr lang="en-US" dirty="0" smtClean="0">
-                <a:latin typeface="Roboto Slab" pitchFamily="2" charset="0"/>
-                <a:ea typeface="Roboto Slab" pitchFamily="2" charset="0"/>
-              </a:rPr>
-              <a:t> calls.</a:t>
+              <a:t> – Responsiveness.</a:t>
             </a:r>
           </a:p>
         </p:txBody>
@@ -4520,7 +3482,7 @@
     </p:spTree>
     <p:extLst>
       <p:ext uri="{BB962C8B-B14F-4D97-AF65-F5344CB8AC3E}">
-        <p14:creationId xmlns:p14="http://schemas.microsoft.com/office/powerpoint/2010/main" val="859908338"/>
+        <p14:creationId xmlns:p14="http://schemas.microsoft.com/office/powerpoint/2010/main" val="2226946223"/>
       </p:ext>
     </p:extLst>
   </p:cSld>
@@ -4537,7 +3499,7 @@
 </p:sld>
 </file>
 
-<file path=ppt/slides/slide5.xml><?xml version="1.0" encoding="utf-8"?>
+<file path=ppt/slides/slide4.xml><?xml version="1.0" encoding="utf-8"?>
 <p:sld xmlns:a="http://schemas.openxmlformats.org/drawingml/2006/main" xmlns:r="http://schemas.openxmlformats.org/officeDocument/2006/relationships" xmlns:p="http://schemas.openxmlformats.org/presentationml/2006/main">
   <p:cSld>
     <p:spTree>
@@ -4745,7 +3707,7 @@
 </p:sld>
 </file>
 
-<file path=ppt/slides/slide6.xml><?xml version="1.0" encoding="utf-8"?>
+<file path=ppt/slides/slide5.xml><?xml version="1.0" encoding="utf-8"?>
 <p:sld xmlns:a="http://schemas.openxmlformats.org/drawingml/2006/main" xmlns:r="http://schemas.openxmlformats.org/officeDocument/2006/relationships" xmlns:p="http://schemas.openxmlformats.org/presentationml/2006/main">
   <p:cSld>
     <p:spTree>
@@ -4948,7 +3910,7 @@
 </p:sld>
 </file>
 
-<file path=ppt/slides/slide7.xml><?xml version="1.0" encoding="utf-8"?>
+<file path=ppt/slides/slide6.xml><?xml version="1.0" encoding="utf-8"?>
 <p:sld xmlns:a="http://schemas.openxmlformats.org/drawingml/2006/main" xmlns:r="http://schemas.openxmlformats.org/officeDocument/2006/relationships" xmlns:p="http://schemas.openxmlformats.org/presentationml/2006/main">
   <p:cSld>
     <p:spTree>
@@ -5221,7 +4183,7 @@
 </p:sld>
 </file>
 
-<file path=ppt/slides/slide8.xml><?xml version="1.0" encoding="utf-8"?>
+<file path=ppt/slides/slide7.xml><?xml version="1.0" encoding="utf-8"?>
 <p:sld xmlns:a="http://schemas.openxmlformats.org/drawingml/2006/main" xmlns:r="http://schemas.openxmlformats.org/officeDocument/2006/relationships" xmlns:p="http://schemas.openxmlformats.org/presentationml/2006/main">
   <p:cSld>
     <p:spTree>
@@ -5298,7 +4260,7 @@
                 <a:latin typeface="Roboto Slab" pitchFamily="2" charset="0"/>
                 <a:ea typeface="Roboto Slab" pitchFamily="2" charset="0"/>
               </a:rPr>
-              <a:t>Yellow Paper</a:t>
+              <a:t>Workflow</a:t>
             </a:r>
             <a:endParaRPr lang="bg-BG" dirty="0">
               <a:latin typeface="Roboto Slab" pitchFamily="2" charset="0"/>
@@ -5327,21 +4289,16 @@
                 <a:latin typeface="Roboto Slab" pitchFamily="2" charset="0"/>
                 <a:ea typeface="Roboto Slab" pitchFamily="2" charset="0"/>
               </a:rPr>
-              <a:t>Final decision to do Yellow Paper, about 2 </a:t>
-            </a:r>
-            <a:r>
-              <a:rPr lang="en-US" dirty="0">
-                <a:latin typeface="Roboto Slab" pitchFamily="2" charset="0"/>
-                <a:ea typeface="Roboto Slab" pitchFamily="2" charset="0"/>
-              </a:rPr>
-              <a:t>w</a:t>
-            </a:r>
+              <a:t>Design is drafted in Photoshop</a:t>
+            </a:r>
+          </a:p>
+          <a:p>
             <a:r>
               <a:rPr lang="en-US" dirty="0" smtClean="0">
                 <a:latin typeface="Roboto Slab" pitchFamily="2" charset="0"/>
                 <a:ea typeface="Roboto Slab" pitchFamily="2" charset="0"/>
               </a:rPr>
-              <a:t>eeks before deadline.</a:t>
+              <a:t>From Photoshop it’s made into HTML / CSS</a:t>
             </a:r>
           </a:p>
           <a:p>
@@ -5350,16 +4307,39 @@
                 <a:latin typeface="Roboto Slab" pitchFamily="2" charset="0"/>
                 <a:ea typeface="Roboto Slab" pitchFamily="2" charset="0"/>
               </a:rPr>
-              <a:t>Hot Headlines.</a:t>
-            </a:r>
-          </a:p>
-          <a:p>
+              <a:t>From there, It’s committed to </a:t>
+            </a:r>
+            <a:r>
+              <a:rPr lang="en-US" dirty="0" err="1" smtClean="0">
+                <a:latin typeface="Roboto Slab" pitchFamily="2" charset="0"/>
+                <a:ea typeface="Roboto Slab" pitchFamily="2" charset="0"/>
+              </a:rPr>
+              <a:t>github</a:t>
+            </a:r>
             <a:r>
               <a:rPr lang="en-US" dirty="0" smtClean="0">
                 <a:latin typeface="Roboto Slab" pitchFamily="2" charset="0"/>
                 <a:ea typeface="Roboto Slab" pitchFamily="2" charset="0"/>
               </a:rPr>
-              <a:t>Broke the ice in terms of confidence.</a:t>
+              <a:t>.</a:t>
+            </a:r>
+          </a:p>
+          <a:p>
+            <a:r>
+              <a:rPr lang="en-US" dirty="0" smtClean="0">
+                <a:latin typeface="Roboto Slab" pitchFamily="2" charset="0"/>
+                <a:ea typeface="Roboto Slab" pitchFamily="2" charset="0"/>
+              </a:rPr>
+              <a:t>After that everyone can help edit the page.</a:t>
+            </a:r>
+          </a:p>
+          <a:p>
+            <a:r>
+              <a:rPr lang="en-US" dirty="0" smtClean="0">
+                <a:latin typeface="Roboto Slab" pitchFamily="2" charset="0"/>
+                <a:ea typeface="Roboto Slab" pitchFamily="2" charset="0"/>
+              </a:rPr>
+              <a:t>Finally, when it’s done, the page is made responsive and is then recommitted.</a:t>
             </a:r>
           </a:p>
         </p:txBody>
@@ -5367,7 +4347,7 @@
     </p:spTree>
     <p:extLst>
       <p:ext uri="{BB962C8B-B14F-4D97-AF65-F5344CB8AC3E}">
-        <p14:creationId xmlns:p14="http://schemas.microsoft.com/office/powerpoint/2010/main" val="729100659"/>
+        <p14:creationId xmlns:p14="http://schemas.microsoft.com/office/powerpoint/2010/main" val="568066293"/>
       </p:ext>
     </p:extLst>
   </p:cSld>
@@ -5384,7 +4364,7 @@
 </p:sld>
 </file>
 
-<file path=ppt/slides/slide9.xml><?xml version="1.0" encoding="utf-8"?>
+<file path=ppt/slides/slide8.xml><?xml version="1.0" encoding="utf-8"?>
 <p:sld xmlns:a="http://schemas.openxmlformats.org/drawingml/2006/main" xmlns:r="http://schemas.openxmlformats.org/officeDocument/2006/relationships" xmlns:p="http://schemas.openxmlformats.org/presentationml/2006/main">
   <p:cSld>
     <p:spTree>
@@ -5403,13 +4383,13 @@
       </p:grpSpPr>
       <p:sp>
         <p:nvSpPr>
-          <p:cNvPr id="5" name="Rectangle 4"/>
+          <p:cNvPr id="4" name="Rectangle 3"/>
           <p:cNvSpPr/>
           <p:nvPr/>
         </p:nvSpPr>
         <p:spPr>
           <a:xfrm>
-            <a:off x="0" y="0"/>
+            <a:off x="0" y="-140598"/>
             <a:ext cx="12192000" cy="6858000"/>
           </a:xfrm>
           <a:prstGeom prst="rect">
@@ -5418,15 +4398,15 @@
         </p:spPr>
         <p:style>
           <a:lnRef idx="2">
-            <a:schemeClr val="dk1">
+            <a:schemeClr val="accent4">
               <a:shade val="50000"/>
             </a:schemeClr>
           </a:lnRef>
           <a:fillRef idx="1">
-            <a:schemeClr val="dk1"/>
+            <a:schemeClr val="accent4"/>
           </a:fillRef>
           <a:effectRef idx="0">
-            <a:schemeClr val="dk1"/>
+            <a:schemeClr val="accent4"/>
           </a:effectRef>
           <a:fontRef idx="minor">
             <a:schemeClr val="lt1"/>
@@ -5437,67 +4417,56 @@
           <a:lstStyle/>
           <a:p>
             <a:pPr algn="ctr"/>
-            <a:endParaRPr lang="en-US" dirty="0">
-              <a:hlinkClick r:id="rId2"/>
-            </a:endParaRPr>
-          </a:p>
-          <a:p>
-            <a:pPr algn="ctr"/>
-            <a:endParaRPr lang="en-US" dirty="0" smtClean="0">
-              <a:hlinkClick r:id="rId2"/>
-            </a:endParaRPr>
-          </a:p>
-          <a:p>
-            <a:pPr algn="ctr"/>
             <a:endParaRPr lang="bg-BG" dirty="0"/>
           </a:p>
         </p:txBody>
       </p:sp>
       <p:sp>
         <p:nvSpPr>
-          <p:cNvPr id="2" name="Title 1"/>
-          <p:cNvSpPr>
-            <a:spLocks noGrp="1"/>
-          </p:cNvSpPr>
-          <p:nvPr>
-            <p:ph type="title"/>
-          </p:nvPr>
-        </p:nvSpPr>
-        <p:spPr>
-          <a:xfrm>
-            <a:off x="838200" y="2675731"/>
-            <a:ext cx="10515600" cy="1325563"/>
-          </a:xfrm>
-        </p:spPr>
-        <p:txBody>
-          <a:bodyPr/>
-          <a:lstStyle/>
-          <a:p>
-            <a:pPr algn="ctr"/>
-            <a:r>
-              <a:rPr lang="en-US" dirty="0" smtClean="0">
-                <a:solidFill>
-                  <a:schemeClr val="accent4"/>
-                </a:solidFill>
-                <a:latin typeface="Roboto Slab" pitchFamily="2" charset="0"/>
-                <a:ea typeface="Roboto Slab" pitchFamily="2" charset="0"/>
-              </a:rPr>
-              <a:t>PLANNING</a:t>
-            </a:r>
-            <a:endParaRPr lang="bg-BG" dirty="0">
-              <a:solidFill>
-                <a:schemeClr val="accent4"/>
-              </a:solidFill>
-              <a:latin typeface="Roboto Slab" pitchFamily="2" charset="0"/>
-              <a:ea typeface="Roboto Slab" pitchFamily="2" charset="0"/>
-            </a:endParaRPr>
+          <p:cNvPr id="5" name="Title 4"/>
+          <p:cNvSpPr>
+            <a:spLocks noGrp="1"/>
+          </p:cNvSpPr>
+          <p:nvPr>
+            <p:ph type="ctrTitle"/>
+          </p:nvPr>
+        </p:nvSpPr>
+        <p:spPr/>
+        <p:txBody>
+          <a:bodyPr/>
+          <a:lstStyle/>
+          <a:p>
+            <a:r>
+              <a:rPr lang="en-US" dirty="0" smtClean="0"/>
+              <a:t>Live Demo</a:t>
+            </a:r>
+            <a:endParaRPr lang="en-US" dirty="0"/>
+          </a:p>
+        </p:txBody>
+      </p:sp>
+      <p:sp>
+        <p:nvSpPr>
+          <p:cNvPr id="6" name="Subtitle 5"/>
+          <p:cNvSpPr>
+            <a:spLocks noGrp="1"/>
+          </p:cNvSpPr>
+          <p:nvPr>
+            <p:ph type="subTitle" idx="1"/>
+          </p:nvPr>
+        </p:nvSpPr>
+        <p:spPr/>
+        <p:txBody>
+          <a:bodyPr/>
+          <a:lstStyle/>
+          <a:p>
+            <a:endParaRPr lang="en-US"/>
           </a:p>
         </p:txBody>
       </p:sp>
     </p:spTree>
     <p:extLst>
       <p:ext uri="{BB962C8B-B14F-4D97-AF65-F5344CB8AC3E}">
-        <p14:creationId xmlns:p14="http://schemas.microsoft.com/office/powerpoint/2010/main" val="2555667054"/>
+        <p14:creationId xmlns:p14="http://schemas.microsoft.com/office/powerpoint/2010/main" val="3723630384"/>
       </p:ext>
     </p:extLst>
   </p:cSld>
